--- a/c-36_i2c_eeprom/information/i2c_eeprom.pptx
+++ b/c-36_i2c_eeprom/information/i2c_eeprom.pptx
@@ -217,7 +217,7 @@
           <a:p>
             <a:fld id="{D3660239-BD88-454E-B042-45B8EC2E40A6}" type="datetimeFigureOut">
               <a:rPr lang="zh-TW" altLang="en-US" smtClean="0"/>
-              <a:t>2024/5/16</a:t>
+              <a:t>2024/7/23</a:t>
             </a:fld>
             <a:endParaRPr lang="zh-TW" altLang="en-US"/>
           </a:p>
@@ -1555,7 +1555,7 @@
           <a:p>
             <a:fld id="{C6B6F097-BF4F-4F87-BB9E-B26041CFC580}" type="datetimeFigureOut">
               <a:rPr lang="zh-TW" altLang="en-US" smtClean="0"/>
-              <a:t>2024/5/16</a:t>
+              <a:t>2024/7/23</a:t>
             </a:fld>
             <a:endParaRPr lang="zh-TW" altLang="en-US"/>
           </a:p>
@@ -1753,7 +1753,7 @@
           <a:p>
             <a:fld id="{C6B6F097-BF4F-4F87-BB9E-B26041CFC580}" type="datetimeFigureOut">
               <a:rPr lang="zh-TW" altLang="en-US" smtClean="0"/>
-              <a:t>2024/5/16</a:t>
+              <a:t>2024/7/23</a:t>
             </a:fld>
             <a:endParaRPr lang="zh-TW" altLang="en-US"/>
           </a:p>
@@ -1961,7 +1961,7 @@
           <a:p>
             <a:fld id="{C6B6F097-BF4F-4F87-BB9E-B26041CFC580}" type="datetimeFigureOut">
               <a:rPr lang="zh-TW" altLang="en-US" smtClean="0"/>
-              <a:t>2024/5/16</a:t>
+              <a:t>2024/7/23</a:t>
             </a:fld>
             <a:endParaRPr lang="zh-TW" altLang="en-US"/>
           </a:p>
@@ -2159,7 +2159,7 @@
           <a:p>
             <a:fld id="{C6B6F097-BF4F-4F87-BB9E-B26041CFC580}" type="datetimeFigureOut">
               <a:rPr lang="zh-TW" altLang="en-US" smtClean="0"/>
-              <a:t>2024/5/16</a:t>
+              <a:t>2024/7/23</a:t>
             </a:fld>
             <a:endParaRPr lang="zh-TW" altLang="en-US"/>
           </a:p>
@@ -2434,7 +2434,7 @@
           <a:p>
             <a:fld id="{C6B6F097-BF4F-4F87-BB9E-B26041CFC580}" type="datetimeFigureOut">
               <a:rPr lang="zh-TW" altLang="en-US" smtClean="0"/>
-              <a:t>2024/5/16</a:t>
+              <a:t>2024/7/23</a:t>
             </a:fld>
             <a:endParaRPr lang="zh-TW" altLang="en-US"/>
           </a:p>
@@ -2699,7 +2699,7 @@
           <a:p>
             <a:fld id="{C6B6F097-BF4F-4F87-BB9E-B26041CFC580}" type="datetimeFigureOut">
               <a:rPr lang="zh-TW" altLang="en-US" smtClean="0"/>
-              <a:t>2024/5/16</a:t>
+              <a:t>2024/7/23</a:t>
             </a:fld>
             <a:endParaRPr lang="zh-TW" altLang="en-US"/>
           </a:p>
@@ -3111,7 +3111,7 @@
           <a:p>
             <a:fld id="{C6B6F097-BF4F-4F87-BB9E-B26041CFC580}" type="datetimeFigureOut">
               <a:rPr lang="zh-TW" altLang="en-US" smtClean="0"/>
-              <a:t>2024/5/16</a:t>
+              <a:t>2024/7/23</a:t>
             </a:fld>
             <a:endParaRPr lang="zh-TW" altLang="en-US"/>
           </a:p>
@@ -3252,7 +3252,7 @@
           <a:p>
             <a:fld id="{C6B6F097-BF4F-4F87-BB9E-B26041CFC580}" type="datetimeFigureOut">
               <a:rPr lang="zh-TW" altLang="en-US" smtClean="0"/>
-              <a:t>2024/5/16</a:t>
+              <a:t>2024/7/23</a:t>
             </a:fld>
             <a:endParaRPr lang="zh-TW" altLang="en-US"/>
           </a:p>
@@ -3365,7 +3365,7 @@
           <a:p>
             <a:fld id="{C6B6F097-BF4F-4F87-BB9E-B26041CFC580}" type="datetimeFigureOut">
               <a:rPr lang="zh-TW" altLang="en-US" smtClean="0"/>
-              <a:t>2024/5/16</a:t>
+              <a:t>2024/7/23</a:t>
             </a:fld>
             <a:endParaRPr lang="zh-TW" altLang="en-US"/>
           </a:p>
@@ -3676,7 +3676,7 @@
           <a:p>
             <a:fld id="{C6B6F097-BF4F-4F87-BB9E-B26041CFC580}" type="datetimeFigureOut">
               <a:rPr lang="zh-TW" altLang="en-US" smtClean="0"/>
-              <a:t>2024/5/16</a:t>
+              <a:t>2024/7/23</a:t>
             </a:fld>
             <a:endParaRPr lang="zh-TW" altLang="en-US"/>
           </a:p>
@@ -3964,7 +3964,7 @@
           <a:p>
             <a:fld id="{C6B6F097-BF4F-4F87-BB9E-B26041CFC580}" type="datetimeFigureOut">
               <a:rPr lang="zh-TW" altLang="en-US" smtClean="0"/>
-              <a:t>2024/5/16</a:t>
+              <a:t>2024/7/23</a:t>
             </a:fld>
             <a:endParaRPr lang="zh-TW" altLang="en-US"/>
           </a:p>
@@ -4205,7 +4205,7 @@
           <a:p>
             <a:fld id="{C6B6F097-BF4F-4F87-BB9E-B26041CFC580}" type="datetimeFigureOut">
               <a:rPr lang="zh-TW" altLang="en-US" smtClean="0"/>
-              <a:t>2024/5/16</a:t>
+              <a:t>2024/7/23</a:t>
             </a:fld>
             <a:endParaRPr lang="zh-TW" altLang="en-US"/>
           </a:p>
@@ -8204,35 +8204,6 @@
       </p:grpSpPr>
       <p:sp>
         <p:nvSpPr>
-          <p:cNvPr id="2" name="標題 1">
-            <a:extLst>
-              <a:ext uri="{FF2B5EF4-FFF2-40B4-BE49-F238E27FC236}">
-                <a16:creationId xmlns:a16="http://schemas.microsoft.com/office/drawing/2014/main" id="{89CF0DBB-F1DA-E27C-794E-B99768332D79}"/>
-              </a:ext>
-            </a:extLst>
-          </p:cNvPr>
-          <p:cNvSpPr>
-            <a:spLocks noGrp="1"/>
-          </p:cNvSpPr>
-          <p:nvPr>
-            <p:ph type="title"/>
-          </p:nvPr>
-        </p:nvSpPr>
-        <p:spPr/>
-        <p:txBody>
-          <a:bodyPr/>
-          <a:lstStyle/>
-          <a:p>
-            <a:r>
-              <a:rPr lang="en-US" altLang="zh-TW" dirty="0"/>
-              <a:t>I2C_ctrl state diagram</a:t>
-            </a:r>
-            <a:endParaRPr lang="zh-TW" altLang="en-US" dirty="0"/>
-          </a:p>
-        </p:txBody>
-      </p:sp>
-      <p:sp>
-        <p:nvSpPr>
           <p:cNvPr id="3" name="內容版面配置區 2">
             <a:extLst>
               <a:ext uri="{FF2B5EF4-FFF2-40B4-BE49-F238E27FC236}">
@@ -8342,12 +8313,41 @@
           </a:p>
         </p:txBody>
       </p:sp>
+      <p:sp>
+        <p:nvSpPr>
+          <p:cNvPr id="2" name="標題 1">
+            <a:extLst>
+              <a:ext uri="{FF2B5EF4-FFF2-40B4-BE49-F238E27FC236}">
+                <a16:creationId xmlns:a16="http://schemas.microsoft.com/office/drawing/2014/main" id="{89CF0DBB-F1DA-E27C-794E-B99768332D79}"/>
+              </a:ext>
+            </a:extLst>
+          </p:cNvPr>
+          <p:cNvSpPr>
+            <a:spLocks noGrp="1"/>
+          </p:cNvSpPr>
+          <p:nvPr>
+            <p:ph type="title"/>
+          </p:nvPr>
+        </p:nvSpPr>
+        <p:spPr/>
+        <p:txBody>
+          <a:bodyPr/>
+          <a:lstStyle/>
+          <a:p>
+            <a:r>
+              <a:rPr lang="en-US" altLang="zh-TW" dirty="0"/>
+              <a:t>I2C_ctrl state diagram</a:t>
+            </a:r>
+            <a:endParaRPr lang="zh-TW" altLang="en-US" dirty="0"/>
+          </a:p>
+        </p:txBody>
+      </p:sp>
       <p:pic>
         <p:nvPicPr>
-          <p:cNvPr id="8" name="圖片 7">
-            <a:extLst>
-              <a:ext uri="{FF2B5EF4-FFF2-40B4-BE49-F238E27FC236}">
-                <a16:creationId xmlns:a16="http://schemas.microsoft.com/office/drawing/2014/main" id="{6443EB21-50FD-47CF-7DA7-8AC395814C0D}"/>
+          <p:cNvPr id="5" name="圖片 4">
+            <a:extLst>
+              <a:ext uri="{FF2B5EF4-FFF2-40B4-BE49-F238E27FC236}">
+                <a16:creationId xmlns:a16="http://schemas.microsoft.com/office/drawing/2014/main" id="{CCDD20F8-6E1E-B896-C59C-26B7B7A088C7}"/>
               </a:ext>
             </a:extLst>
           </p:cNvPr>
@@ -8364,8 +8364,8 @@
         </p:blipFill>
         <p:spPr>
           <a:xfrm>
-            <a:off x="214604" y="2949623"/>
-            <a:ext cx="11762792" cy="2815648"/>
+            <a:off x="0" y="2761417"/>
+            <a:ext cx="12192000" cy="2790742"/>
           </a:xfrm>
           <a:prstGeom prst="rect">
             <a:avLst/>
